--- a/Presentations/Meetings/2020-03-13/Meeting2020-03-13.pptx
+++ b/Presentations/Meetings/2020-03-13/Meeting2020-03-13.pptx
@@ -9,8 +9,9 @@
     <p:sldId id="262" r:id="rId3"/>
     <p:sldId id="261" r:id="rId4"/>
     <p:sldId id="264" r:id="rId5"/>
-    <p:sldId id="265" r:id="rId6"/>
-    <p:sldId id="263" r:id="rId7"/>
+    <p:sldId id="266" r:id="rId6"/>
+    <p:sldId id="265" r:id="rId7"/>
+    <p:sldId id="263" r:id="rId8"/>
   </p:sldIdLst>
   <p:sldSz cx="12192000" cy="6858000"/>
   <p:notesSz cx="6858000" cy="9144000"/>
@@ -293,7 +294,7 @@
           <a:p>
             <a:fld id="{E4D37D77-59F4-4F40-A7D2-FD1165658DD5}" type="datetimeFigureOut">
               <a:rPr lang="en-ZA" smtClean="0"/>
-              <a:t>2020-03-12</a:t>
+              <a:t>2020/03/16</a:t>
             </a:fld>
             <a:endParaRPr lang="en-ZA"/>
           </a:p>
@@ -463,7 +464,7 @@
           <a:p>
             <a:fld id="{E4D37D77-59F4-4F40-A7D2-FD1165658DD5}" type="datetimeFigureOut">
               <a:rPr lang="en-ZA" smtClean="0"/>
-              <a:t>2020-03-12</a:t>
+              <a:t>2020/03/16</a:t>
             </a:fld>
             <a:endParaRPr lang="en-ZA"/>
           </a:p>
@@ -686,7 +687,7 @@
           <a:p>
             <a:fld id="{E4D37D77-59F4-4F40-A7D2-FD1165658DD5}" type="datetimeFigureOut">
               <a:rPr lang="en-ZA" smtClean="0"/>
-              <a:t>2020-03-12</a:t>
+              <a:t>2020/03/16</a:t>
             </a:fld>
             <a:endParaRPr lang="en-ZA"/>
           </a:p>
@@ -866,7 +867,7 @@
           <a:p>
             <a:fld id="{E4D37D77-59F4-4F40-A7D2-FD1165658DD5}" type="datetimeFigureOut">
               <a:rPr lang="en-ZA" smtClean="0"/>
-              <a:t>2020-03-12</a:t>
+              <a:t>2020/03/16</a:t>
             </a:fld>
             <a:endParaRPr lang="en-ZA"/>
           </a:p>
@@ -1172,7 +1173,7 @@
           <a:p>
             <a:fld id="{E4D37D77-59F4-4F40-A7D2-FD1165658DD5}" type="datetimeFigureOut">
               <a:rPr lang="en-ZA" smtClean="0"/>
-              <a:t>2020-03-12</a:t>
+              <a:t>2020/03/16</a:t>
             </a:fld>
             <a:endParaRPr lang="en-ZA"/>
           </a:p>
@@ -1476,7 +1477,7 @@
           <a:p>
             <a:fld id="{E4D37D77-59F4-4F40-A7D2-FD1165658DD5}" type="datetimeFigureOut">
               <a:rPr lang="en-ZA" smtClean="0"/>
-              <a:t>2020-03-12</a:t>
+              <a:t>2020/03/16</a:t>
             </a:fld>
             <a:endParaRPr lang="en-ZA"/>
           </a:p>
@@ -1898,7 +1899,7 @@
           <a:p>
             <a:fld id="{E4D37D77-59F4-4F40-A7D2-FD1165658DD5}" type="datetimeFigureOut">
               <a:rPr lang="en-ZA" smtClean="0"/>
-              <a:t>2020-03-12</a:t>
+              <a:t>2020/03/16</a:t>
             </a:fld>
             <a:endParaRPr lang="en-ZA"/>
           </a:p>
@@ -2016,7 +2017,7 @@
           <a:p>
             <a:fld id="{E4D37D77-59F4-4F40-A7D2-FD1165658DD5}" type="datetimeFigureOut">
               <a:rPr lang="en-ZA" smtClean="0"/>
-              <a:t>2020-03-12</a:t>
+              <a:t>2020/03/16</a:t>
             </a:fld>
             <a:endParaRPr lang="en-ZA"/>
           </a:p>
@@ -2111,7 +2112,7 @@
           <a:p>
             <a:fld id="{E4D37D77-59F4-4F40-A7D2-FD1165658DD5}" type="datetimeFigureOut">
               <a:rPr lang="en-ZA" smtClean="0"/>
-              <a:t>2020-03-12</a:t>
+              <a:t>2020/03/16</a:t>
             </a:fld>
             <a:endParaRPr lang="en-ZA"/>
           </a:p>
@@ -2384,7 +2385,7 @@
           <a:p>
             <a:fld id="{E4D37D77-59F4-4F40-A7D2-FD1165658DD5}" type="datetimeFigureOut">
               <a:rPr lang="en-ZA" smtClean="0"/>
-              <a:t>2020-03-12</a:t>
+              <a:t>2020/03/16</a:t>
             </a:fld>
             <a:endParaRPr lang="en-ZA"/>
           </a:p>
@@ -2649,7 +2650,7 @@
           <a:p>
             <a:fld id="{E4D37D77-59F4-4F40-A7D2-FD1165658DD5}" type="datetimeFigureOut">
               <a:rPr lang="en-ZA" smtClean="0"/>
-              <a:t>2020-03-12</a:t>
+              <a:t>2020/03/16</a:t>
             </a:fld>
             <a:endParaRPr lang="en-ZA"/>
           </a:p>
@@ -2898,7 +2899,7 @@
           <a:p>
             <a:fld id="{E4D37D77-59F4-4F40-A7D2-FD1165658DD5}" type="datetimeFigureOut">
               <a:rPr lang="en-ZA" smtClean="0"/>
-              <a:t>2020-03-12</a:t>
+              <a:t>2020/03/16</a:t>
             </a:fld>
             <a:endParaRPr lang="en-ZA"/>
           </a:p>
@@ -3547,27 +3548,6 @@
             </a:r>
           </a:p>
           <a:p>
-            <a:pPr lvl="3"/>
-            <a:r>
-              <a:rPr lang="en-US" dirty="0"/>
-              <a:t>Maximum x</a:t>
-            </a:r>
-          </a:p>
-          <a:p>
-            <a:pPr lvl="3"/>
-            <a:r>
-              <a:rPr lang="en-US" dirty="0"/>
-              <a:t>Maximum y</a:t>
-            </a:r>
-          </a:p>
-          <a:p>
-            <a:pPr lvl="3"/>
-            <a:r>
-              <a:rPr lang="en-US" dirty="0"/>
-              <a:t>Top right corner</a:t>
-            </a:r>
-          </a:p>
-          <a:p>
             <a:pPr lvl="2"/>
             <a:r>
               <a:rPr lang="en-US" dirty="0"/>
@@ -3579,6 +3559,13 @@
             <a:r>
               <a:rPr lang="en-US" dirty="0"/>
               <a:t>Stress</a:t>
+            </a:r>
+          </a:p>
+          <a:p>
+            <a:pPr lvl="2"/>
+            <a:r>
+              <a:rPr lang="en-US" dirty="0"/>
+              <a:t>Maximum values &amp; top right corner</a:t>
             </a:r>
           </a:p>
           <a:p>
@@ -3853,40 +3840,86 @@
             <a:pPr lvl="1"/>
             <a:r>
               <a:rPr lang="en-US" dirty="0"/>
-              <a:t>Complete introduction</a:t>
+              <a:t>Complete literature review</a:t>
             </a:r>
           </a:p>
           <a:p>
             <a:pPr lvl="1"/>
             <a:r>
               <a:rPr lang="en-US" dirty="0"/>
-              <a:t>Complete literature review</a:t>
+              <a:t>Complete material testing on Mold Star 15</a:t>
             </a:r>
           </a:p>
           <a:p>
             <a:pPr lvl="1"/>
             <a:r>
               <a:rPr lang="en-US" dirty="0"/>
-              <a:t>Complete material testing on Mold Star 15</a:t>
+              <a:t>Complete material testing chapter</a:t>
             </a:r>
           </a:p>
           <a:p>
             <a:pPr lvl="1"/>
             <a:r>
               <a:rPr lang="en-US" dirty="0"/>
-              <a:t>Complete material testing chapter</a:t>
+              <a:t>Complete</a:t>
+            </a:r>
+            <a:r>
+              <a:rPr lang="en-ZA" dirty="0"/>
+              <a:t> and refine code for current model</a:t>
             </a:r>
           </a:p>
           <a:p>
             <a:pPr lvl="1"/>
             <a:r>
               <a:rPr lang="en-US" dirty="0"/>
-              <a:t>Complete</a:t>
+              <a:t>S</a:t>
             </a:r>
             <a:r>
               <a:rPr lang="en-ZA" dirty="0"/>
-              <a:t> code for </a:t>
-            </a:r>
+              <a:t>tart implementing L-systems to obtain unique sub-units</a:t>
+            </a:r>
+          </a:p>
+          <a:p>
+            <a:r>
+              <a:rPr lang="en-US" dirty="0"/>
+              <a:t>April</a:t>
+            </a:r>
+            <a:endParaRPr lang="en-ZA" dirty="0"/>
+          </a:p>
+          <a:p>
+            <a:pPr lvl="1"/>
+            <a:r>
+              <a:rPr lang="en-US" dirty="0"/>
+              <a:t>Implement </a:t>
+            </a:r>
+            <a:r>
+              <a:rPr lang="en-ZA" dirty="0"/>
+              <a:t>material model from material testing</a:t>
+            </a:r>
+          </a:p>
+          <a:p>
+            <a:pPr lvl="1"/>
+            <a:r>
+              <a:rPr lang="en-US" dirty="0"/>
+              <a:t>Complete software chapter according to progress</a:t>
+            </a:r>
+          </a:p>
+          <a:p>
+            <a:pPr lvl="1"/>
+            <a:r>
+              <a:rPr lang="en-US" dirty="0"/>
+              <a:t>Complete implementation of L-systems</a:t>
+            </a:r>
+          </a:p>
+          <a:p>
+            <a:pPr lvl="1"/>
+            <a:r>
+              <a:rPr lang="en-US" dirty="0"/>
+              <a:t>Complete testing other materials</a:t>
+            </a:r>
+          </a:p>
+          <a:p>
+            <a:pPr lvl="1"/>
             <a:endParaRPr lang="en-US" dirty="0"/>
           </a:p>
         </p:txBody>
@@ -3926,7 +3959,7 @@
           <p:cNvPr id="2" name="Title 1">
             <a:extLst>
               <a:ext uri="{FF2B5EF4-FFF2-40B4-BE49-F238E27FC236}">
-                <a16:creationId xmlns:a16="http://schemas.microsoft.com/office/drawing/2014/main" id="{66EE40B8-19D6-448D-ABE0-275272528127}"/>
+                <a16:creationId xmlns:a16="http://schemas.microsoft.com/office/drawing/2014/main" id="{692DC2E5-605C-4879-B734-3445A69A157D}"/>
               </a:ext>
             </a:extLst>
           </p:cNvPr>
@@ -3944,7 +3977,7 @@
           <a:p>
             <a:r>
               <a:rPr lang="en-US" dirty="0"/>
-              <a:t>Practical Work</a:t>
+              <a:t>Work Breakdown Structure</a:t>
             </a:r>
             <a:endParaRPr lang="en-ZA" dirty="0"/>
           </a:p>
@@ -3955,7 +3988,7 @@
           <p:cNvPr id="3" name="Content Placeholder 2">
             <a:extLst>
               <a:ext uri="{FF2B5EF4-FFF2-40B4-BE49-F238E27FC236}">
-                <a16:creationId xmlns:a16="http://schemas.microsoft.com/office/drawing/2014/main" id="{951FE052-8422-41CB-9F64-A653AB22B3D4}"/>
+                <a16:creationId xmlns:a16="http://schemas.microsoft.com/office/drawing/2014/main" id="{4802A7BE-D15B-4CA3-9E84-251569AA2017}"/>
               </a:ext>
             </a:extLst>
           </p:cNvPr>
@@ -3966,54 +3999,76 @@
             <p:ph idx="1"/>
           </p:nvPr>
         </p:nvSpPr>
-        <p:spPr>
-          <a:xfrm>
-            <a:off x="1202919" y="2011680"/>
-            <a:ext cx="9784080" cy="4206240"/>
-          </a:xfrm>
-        </p:spPr>
-        <p:txBody>
-          <a:bodyPr/>
-          <a:lstStyle/>
-          <a:p>
-            <a:r>
-              <a:rPr lang="en-US" dirty="0"/>
-              <a:t>Compression grip designs</a:t>
+        <p:spPr/>
+        <p:txBody>
+          <a:bodyPr/>
+          <a:lstStyle/>
+          <a:p>
+            <a:r>
+              <a:rPr lang="en-US" dirty="0"/>
+              <a:t>May</a:t>
             </a:r>
           </a:p>
           <a:p>
             <a:pPr lvl="1"/>
             <a:r>
               <a:rPr lang="en-US" dirty="0"/>
-              <a:t>Drawing standards</a:t>
-            </a:r>
-          </a:p>
-          <a:p>
-            <a:r>
-              <a:rPr lang="en-US" dirty="0" err="1"/>
-              <a:t>Aluminium</a:t>
-            </a:r>
-            <a:r>
-              <a:rPr lang="en-US" dirty="0"/>
-              <a:t> angles</a:t>
+              <a:t>Start implementing CPPNs for obtaining larger units</a:t>
             </a:r>
           </a:p>
           <a:p>
             <a:pPr lvl="1"/>
             <a:r>
               <a:rPr lang="en-US" dirty="0"/>
-              <a:t>Sample flattening</a:t>
-            </a:r>
-          </a:p>
-          <a:p>
-            <a:pPr lvl="2"/>
-            <a:endParaRPr lang="en-US" dirty="0"/>
+              <a:t>Implement other material models</a:t>
+            </a:r>
+          </a:p>
+          <a:p>
+            <a:pPr lvl="1"/>
+            <a:r>
+              <a:rPr lang="en-US" dirty="0"/>
+              <a:t>Complete software chapter according to progress</a:t>
+            </a:r>
+            <a:endParaRPr lang="en-ZA" dirty="0"/>
+          </a:p>
+          <a:p>
+            <a:r>
+              <a:rPr lang="en-US" dirty="0"/>
+              <a:t>June</a:t>
+            </a:r>
+            <a:endParaRPr lang="en-ZA" dirty="0"/>
+          </a:p>
+          <a:p>
+            <a:pPr lvl="1"/>
+            <a:r>
+              <a:rPr lang="en-US" dirty="0"/>
+              <a:t>Complete main code structure</a:t>
+            </a:r>
+          </a:p>
+          <a:p>
+            <a:pPr lvl="1"/>
+            <a:r>
+              <a:rPr lang="en-US" dirty="0"/>
+              <a:t>Construct test units</a:t>
+            </a:r>
+          </a:p>
+          <a:p>
+            <a:pPr lvl="1"/>
+            <a:r>
+              <a:rPr lang="en-US" dirty="0"/>
+              <a:t>Start with chapter discussing results</a:t>
+            </a:r>
           </a:p>
           <a:p>
             <a:pPr lvl="1"/>
             <a:endParaRPr lang="en-US" dirty="0"/>
           </a:p>
           <a:p>
+            <a:pPr lvl="1"/>
+            <a:endParaRPr lang="en-US" dirty="0"/>
+          </a:p>
+          <a:p>
+            <a:pPr lvl="1"/>
             <a:endParaRPr lang="en-US" dirty="0"/>
           </a:p>
         </p:txBody>
@@ -4021,7 +4076,7 @@
     </p:spTree>
     <p:extLst>
       <p:ext uri="{BB962C8B-B14F-4D97-AF65-F5344CB8AC3E}">
-        <p14:creationId xmlns:p14="http://schemas.microsoft.com/office/powerpoint/2010/main" val="525148243"/>
+        <p14:creationId xmlns:p14="http://schemas.microsoft.com/office/powerpoint/2010/main" val="260179576"/>
       </p:ext>
     </p:extLst>
   </p:cSld>
@@ -4053,6 +4108,133 @@
           <p:cNvPr id="2" name="Title 1">
             <a:extLst>
               <a:ext uri="{FF2B5EF4-FFF2-40B4-BE49-F238E27FC236}">
+                <a16:creationId xmlns:a16="http://schemas.microsoft.com/office/drawing/2014/main" id="{66EE40B8-19D6-448D-ABE0-275272528127}"/>
+              </a:ext>
+            </a:extLst>
+          </p:cNvPr>
+          <p:cNvSpPr>
+            <a:spLocks noGrp="1"/>
+          </p:cNvSpPr>
+          <p:nvPr>
+            <p:ph type="title"/>
+          </p:nvPr>
+        </p:nvSpPr>
+        <p:spPr/>
+        <p:txBody>
+          <a:bodyPr/>
+          <a:lstStyle/>
+          <a:p>
+            <a:r>
+              <a:rPr lang="en-US" dirty="0"/>
+              <a:t>Practical Work</a:t>
+            </a:r>
+            <a:endParaRPr lang="en-ZA" dirty="0"/>
+          </a:p>
+        </p:txBody>
+      </p:sp>
+      <p:sp>
+        <p:nvSpPr>
+          <p:cNvPr id="3" name="Content Placeholder 2">
+            <a:extLst>
+              <a:ext uri="{FF2B5EF4-FFF2-40B4-BE49-F238E27FC236}">
+                <a16:creationId xmlns:a16="http://schemas.microsoft.com/office/drawing/2014/main" id="{951FE052-8422-41CB-9F64-A653AB22B3D4}"/>
+              </a:ext>
+            </a:extLst>
+          </p:cNvPr>
+          <p:cNvSpPr>
+            <a:spLocks noGrp="1"/>
+          </p:cNvSpPr>
+          <p:nvPr>
+            <p:ph idx="1"/>
+          </p:nvPr>
+        </p:nvSpPr>
+        <p:spPr>
+          <a:xfrm>
+            <a:off x="1202919" y="2011680"/>
+            <a:ext cx="9784080" cy="4206240"/>
+          </a:xfrm>
+        </p:spPr>
+        <p:txBody>
+          <a:bodyPr/>
+          <a:lstStyle/>
+          <a:p>
+            <a:r>
+              <a:rPr lang="en-US" dirty="0"/>
+              <a:t>Compression grip designs</a:t>
+            </a:r>
+          </a:p>
+          <a:p>
+            <a:pPr lvl="1"/>
+            <a:r>
+              <a:rPr lang="en-US" dirty="0"/>
+              <a:t>Drawing standards</a:t>
+            </a:r>
+          </a:p>
+          <a:p>
+            <a:r>
+              <a:rPr lang="en-US" dirty="0" err="1"/>
+              <a:t>Aluminium</a:t>
+            </a:r>
+            <a:r>
+              <a:rPr lang="en-US" dirty="0"/>
+              <a:t> angles</a:t>
+            </a:r>
+          </a:p>
+          <a:p>
+            <a:pPr lvl="1"/>
+            <a:r>
+              <a:rPr lang="en-US" dirty="0"/>
+              <a:t>Sample flattening</a:t>
+            </a:r>
+          </a:p>
+          <a:p>
+            <a:pPr lvl="2"/>
+            <a:endParaRPr lang="en-US" dirty="0"/>
+          </a:p>
+          <a:p>
+            <a:pPr lvl="1"/>
+            <a:endParaRPr lang="en-US" dirty="0"/>
+          </a:p>
+          <a:p>
+            <a:endParaRPr lang="en-US" dirty="0"/>
+          </a:p>
+        </p:txBody>
+      </p:sp>
+    </p:spTree>
+    <p:extLst>
+      <p:ext uri="{BB962C8B-B14F-4D97-AF65-F5344CB8AC3E}">
+        <p14:creationId xmlns:p14="http://schemas.microsoft.com/office/powerpoint/2010/main" val="525148243"/>
+      </p:ext>
+    </p:extLst>
+  </p:cSld>
+  <p:clrMapOvr>
+    <a:masterClrMapping/>
+  </p:clrMapOvr>
+</p:sld>
+</file>
+
+<file path=ppt/slides/slide7.xml><?xml version="1.0" encoding="utf-8"?>
+<p:sld xmlns:a="http://schemas.openxmlformats.org/drawingml/2006/main" xmlns:r="http://schemas.openxmlformats.org/officeDocument/2006/relationships" xmlns:p="http://schemas.openxmlformats.org/presentationml/2006/main">
+  <p:cSld>
+    <p:spTree>
+      <p:nvGrpSpPr>
+        <p:cNvPr id="1" name=""/>
+        <p:cNvGrpSpPr/>
+        <p:nvPr/>
+      </p:nvGrpSpPr>
+      <p:grpSpPr>
+        <a:xfrm>
+          <a:off x="0" y="0"/>
+          <a:ext cx="0" cy="0"/>
+          <a:chOff x="0" y="0"/>
+          <a:chExt cx="0" cy="0"/>
+        </a:xfrm>
+      </p:grpSpPr>
+      <p:sp>
+        <p:nvSpPr>
+          <p:cNvPr id="2" name="Title 1">
+            <a:extLst>
+              <a:ext uri="{FF2B5EF4-FFF2-40B4-BE49-F238E27FC236}">
                 <a16:creationId xmlns:a16="http://schemas.microsoft.com/office/drawing/2014/main" id="{511832AC-F2CE-4E76-854F-1C11E975DC23}"/>
               </a:ext>
             </a:extLst>
@@ -4112,7 +4294,10 @@
             </a:r>
           </a:p>
           <a:p>
-            <a:endParaRPr lang="en-US" dirty="0"/>
+            <a:r>
+              <a:rPr lang="en-US" dirty="0"/>
+              <a:t>Work from home setup</a:t>
+            </a:r>
           </a:p>
         </p:txBody>
       </p:sp>
